--- a/Hate Crime Analysis.pptx
+++ b/Hate Crime Analysis.pptx
@@ -238,7 +238,17 @@
     </c:title>
     <c:autoTitleDeleted val="0"/>
     <c:plotArea>
-      <c:layout/>
+      <c:layout>
+        <c:manualLayout>
+          <c:layoutTarget val="inner"/>
+          <c:xMode val="edge"/>
+          <c:yMode val="edge"/>
+          <c:x val="8.5583497375328083E-2"/>
+          <c:y val="0.16890369457532234"/>
+          <c:w val="0.90295816929133854"/>
+          <c:h val="0.52574391696419553"/>
+        </c:manualLayout>
+      </c:layout>
       <c:barChart>
         <c:barDir val="col"/>
         <c:grouping val="clustered"/>
@@ -849,6 +859,74 @@
         </c:scaling>
         <c:delete val="0"/>
         <c:axPos val="b"/>
+        <c:title>
+          <c:tx>
+            <c:rich>
+              <a:bodyPr rot="0" spcFirstLastPara="1" vertOverflow="ellipsis" vert="horz" wrap="square" anchor="ctr" anchorCtr="1"/>
+              <a:lstStyle/>
+              <a:p>
+                <a:pPr>
+                  <a:defRPr sz="1330" b="0" i="0" u="none" strike="noStrike" kern="1200" baseline="0">
+                    <a:solidFill>
+                      <a:schemeClr val="tx1">
+                        <a:lumMod val="65000"/>
+                        <a:lumOff val="35000"/>
+                      </a:schemeClr>
+                    </a:solidFill>
+                    <a:latin typeface="+mn-lt"/>
+                    <a:ea typeface="+mn-ea"/>
+                    <a:cs typeface="+mn-cs"/>
+                  </a:defRPr>
+                </a:pPr>
+                <a:r>
+                  <a:rPr lang="en-US" dirty="0"/>
+                  <a:t>Categories</a:t>
+                </a:r>
+                <a:r>
+                  <a:rPr lang="en-US" baseline="0" dirty="0"/>
+                  <a:t> pre and post 9/11</a:t>
+                </a:r>
+                <a:endParaRPr lang="en-US" dirty="0"/>
+              </a:p>
+            </c:rich>
+          </c:tx>
+          <c:layout>
+            <c:manualLayout>
+              <c:xMode val="edge"/>
+              <c:yMode val="edge"/>
+              <c:x val="0.41277091535433069"/>
+              <c:y val="0.77788861487933536"/>
+            </c:manualLayout>
+          </c:layout>
+          <c:overlay val="0"/>
+          <c:spPr>
+            <a:noFill/>
+            <a:ln>
+              <a:noFill/>
+            </a:ln>
+            <a:effectLst/>
+          </c:spPr>
+          <c:txPr>
+            <a:bodyPr rot="0" spcFirstLastPara="1" vertOverflow="ellipsis" vert="horz" wrap="square" anchor="ctr" anchorCtr="1"/>
+            <a:lstStyle/>
+            <a:p>
+              <a:pPr>
+                <a:defRPr sz="1330" b="0" i="0" u="none" strike="noStrike" kern="1200" baseline="0">
+                  <a:solidFill>
+                    <a:schemeClr val="tx1">
+                      <a:lumMod val="65000"/>
+                      <a:lumOff val="35000"/>
+                    </a:schemeClr>
+                  </a:solidFill>
+                  <a:latin typeface="+mn-lt"/>
+                  <a:ea typeface="+mn-ea"/>
+                  <a:cs typeface="+mn-cs"/>
+                </a:defRPr>
+              </a:pPr>
+              <a:endParaRPr lang="en-US"/>
+            </a:p>
+          </c:txPr>
+        </c:title>
         <c:numFmt formatCode="General" sourceLinked="1"/>
         <c:majorTickMark val="none"/>
         <c:minorTickMark val="none"/>
@@ -914,6 +992,74 @@
             <a:effectLst/>
           </c:spPr>
         </c:majorGridlines>
+        <c:title>
+          <c:tx>
+            <c:rich>
+              <a:bodyPr rot="-5400000" spcFirstLastPara="1" vertOverflow="ellipsis" vert="horz" wrap="square" anchor="ctr" anchorCtr="1"/>
+              <a:lstStyle/>
+              <a:p>
+                <a:pPr>
+                  <a:defRPr sz="1330" b="0" i="0" u="none" strike="noStrike" kern="1200" baseline="0">
+                    <a:solidFill>
+                      <a:schemeClr val="tx1">
+                        <a:lumMod val="65000"/>
+                        <a:lumOff val="35000"/>
+                      </a:schemeClr>
+                    </a:solidFill>
+                    <a:latin typeface="+mn-lt"/>
+                    <a:ea typeface="+mn-ea"/>
+                    <a:cs typeface="+mn-cs"/>
+                  </a:defRPr>
+                </a:pPr>
+                <a:r>
+                  <a:rPr lang="en-US" dirty="0"/>
+                  <a:t>Percentage of total</a:t>
+                </a:r>
+                <a:r>
+                  <a:rPr lang="en-US" baseline="0" dirty="0"/>
+                  <a:t> incidents</a:t>
+                </a:r>
+                <a:endParaRPr lang="en-US" dirty="0"/>
+              </a:p>
+            </c:rich>
+          </c:tx>
+          <c:layout>
+            <c:manualLayout>
+              <c:xMode val="edge"/>
+              <c:yMode val="edge"/>
+              <c:x val="8.3333333333333332E-3"/>
+              <c:y val="0.16528923502952042"/>
+            </c:manualLayout>
+          </c:layout>
+          <c:overlay val="0"/>
+          <c:spPr>
+            <a:noFill/>
+            <a:ln>
+              <a:noFill/>
+            </a:ln>
+            <a:effectLst/>
+          </c:spPr>
+          <c:txPr>
+            <a:bodyPr rot="-5400000" spcFirstLastPara="1" vertOverflow="ellipsis" vert="horz" wrap="square" anchor="ctr" anchorCtr="1"/>
+            <a:lstStyle/>
+            <a:p>
+              <a:pPr>
+                <a:defRPr sz="1330" b="0" i="0" u="none" strike="noStrike" kern="1200" baseline="0">
+                  <a:solidFill>
+                    <a:schemeClr val="tx1">
+                      <a:lumMod val="65000"/>
+                      <a:lumOff val="35000"/>
+                    </a:schemeClr>
+                  </a:solidFill>
+                  <a:latin typeface="+mn-lt"/>
+                  <a:ea typeface="+mn-ea"/>
+                  <a:cs typeface="+mn-cs"/>
+                </a:defRPr>
+              </a:pPr>
+              <a:endParaRPr lang="en-US"/>
+            </a:p>
+          </c:txPr>
+        </c:title>
         <c:numFmt formatCode="0.00%" sourceLinked="1"/>
         <c:majorTickMark val="none"/>
         <c:minorTickMark val="none"/>
@@ -1717,6 +1863,69 @@
         </c:scaling>
         <c:delete val="0"/>
         <c:axPos val="b"/>
+        <c:title>
+          <c:tx>
+            <c:rich>
+              <a:bodyPr rot="0" spcFirstLastPara="1" vertOverflow="ellipsis" vert="horz" wrap="square" anchor="ctr" anchorCtr="1"/>
+              <a:lstStyle/>
+              <a:p>
+                <a:pPr>
+                  <a:defRPr sz="1000" b="0" i="0" u="none" strike="noStrike" kern="1200" baseline="0">
+                    <a:solidFill>
+                      <a:schemeClr val="tx1">
+                        <a:lumMod val="65000"/>
+                        <a:lumOff val="35000"/>
+                      </a:schemeClr>
+                    </a:solidFill>
+                    <a:latin typeface="+mn-lt"/>
+                    <a:ea typeface="+mn-ea"/>
+                    <a:cs typeface="+mn-cs"/>
+                  </a:defRPr>
+                </a:pPr>
+                <a:r>
+                  <a:rPr lang="en-US" dirty="0"/>
+                  <a:t>Yearly</a:t>
+                </a:r>
+                <a:r>
+                  <a:rPr lang="en-US" baseline="0" dirty="0"/>
+                  <a:t> </a:t>
+                </a:r>
+                <a:r>
+                  <a:rPr lang="en-US" dirty="0"/>
+                  <a:t>Totals w/ trendline</a:t>
+                </a:r>
+              </a:p>
+            </c:rich>
+          </c:tx>
+          <c:overlay val="0"/>
+          <c:spPr>
+            <a:noFill/>
+            <a:ln>
+              <a:noFill/>
+            </a:ln>
+            <a:effectLst/>
+          </c:spPr>
+          <c:txPr>
+            <a:bodyPr rot="0" spcFirstLastPara="1" vertOverflow="ellipsis" vert="horz" wrap="square" anchor="ctr" anchorCtr="1"/>
+            <a:lstStyle/>
+            <a:p>
+              <a:pPr>
+                <a:defRPr sz="1000" b="0" i="0" u="none" strike="noStrike" kern="1200" baseline="0">
+                  <a:solidFill>
+                    <a:schemeClr val="tx1">
+                      <a:lumMod val="65000"/>
+                      <a:lumOff val="35000"/>
+                    </a:schemeClr>
+                  </a:solidFill>
+                  <a:latin typeface="+mn-lt"/>
+                  <a:ea typeface="+mn-ea"/>
+                  <a:cs typeface="+mn-cs"/>
+                </a:defRPr>
+              </a:pPr>
+              <a:endParaRPr lang="en-US"/>
+            </a:p>
+          </c:txPr>
+        </c:title>
         <c:numFmt formatCode="General" sourceLinked="1"/>
         <c:majorTickMark val="out"/>
         <c:minorTickMark val="none"/>
@@ -1782,6 +1991,61 @@
             <a:effectLst/>
           </c:spPr>
         </c:majorGridlines>
+        <c:title>
+          <c:tx>
+            <c:rich>
+              <a:bodyPr rot="-5400000" spcFirstLastPara="1" vertOverflow="ellipsis" vert="horz" wrap="square" anchor="ctr" anchorCtr="1"/>
+              <a:lstStyle/>
+              <a:p>
+                <a:pPr>
+                  <a:defRPr sz="1000" b="0" i="0" u="none" strike="noStrike" kern="1200" baseline="0">
+                    <a:solidFill>
+                      <a:schemeClr val="tx1">
+                        <a:lumMod val="65000"/>
+                        <a:lumOff val="35000"/>
+                      </a:schemeClr>
+                    </a:solidFill>
+                    <a:latin typeface="+mn-lt"/>
+                    <a:ea typeface="+mn-ea"/>
+                    <a:cs typeface="+mn-cs"/>
+                  </a:defRPr>
+                </a:pPr>
+                <a:r>
+                  <a:rPr lang="en-US" dirty="0"/>
+                  <a:t>Total Incidents</a:t>
+                </a:r>
+              </a:p>
+            </c:rich>
+          </c:tx>
+          <c:overlay val="0"/>
+          <c:spPr>
+            <a:noFill/>
+            <a:ln>
+              <a:noFill/>
+            </a:ln>
+            <a:effectLst/>
+          </c:spPr>
+          <c:txPr>
+            <a:bodyPr rot="-5400000" spcFirstLastPara="1" vertOverflow="ellipsis" vert="horz" wrap="square" anchor="ctr" anchorCtr="1"/>
+            <a:lstStyle/>
+            <a:p>
+              <a:pPr>
+                <a:defRPr sz="1000" b="0" i="0" u="none" strike="noStrike" kern="1200" baseline="0">
+                  <a:solidFill>
+                    <a:schemeClr val="tx1">
+                      <a:lumMod val="65000"/>
+                      <a:lumOff val="35000"/>
+                    </a:schemeClr>
+                  </a:solidFill>
+                  <a:latin typeface="+mn-lt"/>
+                  <a:ea typeface="+mn-ea"/>
+                  <a:cs typeface="+mn-cs"/>
+                </a:defRPr>
+              </a:pPr>
+              <a:endParaRPr lang="en-US"/>
+            </a:p>
+          </c:txPr>
+        </c:title>
         <c:numFmt formatCode="General" sourceLinked="1"/>
         <c:majorTickMark val="out"/>
         <c:minorTickMark val="none"/>
@@ -2071,6 +2335,28 @@
               </c:extLst>
             </c:dLbl>
             <c:dLbl>
+              <c:idx val="6"/>
+              <c:layout>
+                <c:manualLayout>
+                  <c:x val="-1.6809957349081365E-2"/>
+                  <c:y val="7.5958009656583655E-2"/>
+                </c:manualLayout>
+              </c:layout>
+              <c:dLblPos val="r"/>
+              <c:showLegendKey val="0"/>
+              <c:showVal val="1"/>
+              <c:showCatName val="0"/>
+              <c:showSerName val="0"/>
+              <c:showPercent val="0"/>
+              <c:showBubbleSize val="0"/>
+              <c:extLst>
+                <c:ext xmlns:c15="http://schemas.microsoft.com/office/drawing/2012/chart" uri="{CE6537A1-D6FC-4f65-9D91-7224C49458BB}"/>
+                <c:ext xmlns:c16="http://schemas.microsoft.com/office/drawing/2014/chart" uri="{C3380CC4-5D6E-409C-BE32-E72D297353CC}">
+                  <c16:uniqueId val="{00000004-F493-430F-B662-7BAC731F5619}"/>
+                </c:ext>
+              </c:extLst>
+            </c:dLbl>
+            <c:dLbl>
               <c:idx val="10"/>
               <c:layout>
                 <c:manualLayout>
@@ -2093,6 +2379,50 @@
               </c:extLst>
             </c:dLbl>
             <c:dLbl>
+              <c:idx val="13"/>
+              <c:layout>
+                <c:manualLayout>
+                  <c:x val="-1.6882874015748107E-2"/>
+                  <c:y val="6.8729090564979875E-2"/>
+                </c:manualLayout>
+              </c:layout>
+              <c:dLblPos val="r"/>
+              <c:showLegendKey val="0"/>
+              <c:showVal val="1"/>
+              <c:showCatName val="0"/>
+              <c:showSerName val="0"/>
+              <c:showPercent val="0"/>
+              <c:showBubbleSize val="0"/>
+              <c:extLst>
+                <c:ext xmlns:c15="http://schemas.microsoft.com/office/drawing/2012/chart" uri="{CE6537A1-D6FC-4f65-9D91-7224C49458BB}"/>
+                <c:ext xmlns:c16="http://schemas.microsoft.com/office/drawing/2014/chart" uri="{C3380CC4-5D6E-409C-BE32-E72D297353CC}">
+                  <c16:uniqueId val="{00000003-F493-430F-B662-7BAC731F5619}"/>
+                </c:ext>
+              </c:extLst>
+            </c:dLbl>
+            <c:dLbl>
+              <c:idx val="15"/>
+              <c:layout>
+                <c:manualLayout>
+                  <c:x val="-1.6067749343832021E-2"/>
+                  <c:y val="9.0415847839791216E-2"/>
+                </c:manualLayout>
+              </c:layout>
+              <c:dLblPos val="r"/>
+              <c:showLegendKey val="0"/>
+              <c:showVal val="1"/>
+              <c:showCatName val="0"/>
+              <c:showSerName val="0"/>
+              <c:showPercent val="0"/>
+              <c:showBubbleSize val="0"/>
+              <c:extLst>
+                <c:ext xmlns:c15="http://schemas.microsoft.com/office/drawing/2012/chart" uri="{CE6537A1-D6FC-4f65-9D91-7224C49458BB}"/>
+                <c:ext xmlns:c16="http://schemas.microsoft.com/office/drawing/2014/chart" uri="{C3380CC4-5D6E-409C-BE32-E72D297353CC}">
+                  <c16:uniqueId val="{00000002-F493-430F-B662-7BAC731F5619}"/>
+                </c:ext>
+              </c:extLst>
+            </c:dLbl>
+            <c:dLbl>
               <c:idx val="17"/>
               <c:layout>
                 <c:manualLayout>
@@ -2111,6 +2441,28 @@
                 <c:ext xmlns:c15="http://schemas.microsoft.com/office/drawing/2012/chart" uri="{CE6537A1-D6FC-4f65-9D91-7224C49458BB}"/>
                 <c:ext xmlns:c16="http://schemas.microsoft.com/office/drawing/2014/chart" uri="{C3380CC4-5D6E-409C-BE32-E72D297353CC}">
                   <c16:uniqueId val="{0000000F-339E-4A1E-92C3-9B1C74EF3C03}"/>
+                </c:ext>
+              </c:extLst>
+            </c:dLbl>
+            <c:dLbl>
+              <c:idx val="19"/>
+              <c:layout>
+                <c:manualLayout>
+                  <c:x val="-1.6809957349081289E-2"/>
+                  <c:y val="5.7885711927574197E-2"/>
+                </c:manualLayout>
+              </c:layout>
+              <c:dLblPos val="r"/>
+              <c:showLegendKey val="0"/>
+              <c:showVal val="1"/>
+              <c:showCatName val="0"/>
+              <c:showSerName val="0"/>
+              <c:showPercent val="0"/>
+              <c:showBubbleSize val="0"/>
+              <c:extLst>
+                <c:ext xmlns:c15="http://schemas.microsoft.com/office/drawing/2012/chart" uri="{CE6537A1-D6FC-4f65-9D91-7224C49458BB}"/>
+                <c:ext xmlns:c16="http://schemas.microsoft.com/office/drawing/2014/chart" uri="{C3380CC4-5D6E-409C-BE32-E72D297353CC}">
+                  <c16:uniqueId val="{00000001-F493-430F-B662-7BAC731F5619}"/>
                 </c:ext>
               </c:extLst>
             </c:dLbl>
@@ -2482,6 +2834,61 @@
         </c:scaling>
         <c:delete val="0"/>
         <c:axPos val="b"/>
+        <c:title>
+          <c:tx>
+            <c:rich>
+              <a:bodyPr rot="0" spcFirstLastPara="1" vertOverflow="ellipsis" vert="horz" wrap="square" anchor="ctr" anchorCtr="1"/>
+              <a:lstStyle/>
+              <a:p>
+                <a:pPr>
+                  <a:defRPr sz="1100" b="0" i="0" u="none" strike="noStrike" kern="1200" baseline="0">
+                    <a:solidFill>
+                      <a:schemeClr val="tx1">
+                        <a:lumMod val="65000"/>
+                        <a:lumOff val="35000"/>
+                      </a:schemeClr>
+                    </a:solidFill>
+                    <a:latin typeface="+mn-lt"/>
+                    <a:ea typeface="+mn-ea"/>
+                    <a:cs typeface="+mn-cs"/>
+                  </a:defRPr>
+                </a:pPr>
+                <a:r>
+                  <a:rPr lang="en-US" sz="1100" dirty="0"/>
+                  <a:t>Year over year change</a:t>
+                </a:r>
+              </a:p>
+            </c:rich>
+          </c:tx>
+          <c:overlay val="0"/>
+          <c:spPr>
+            <a:noFill/>
+            <a:ln>
+              <a:noFill/>
+            </a:ln>
+            <a:effectLst/>
+          </c:spPr>
+          <c:txPr>
+            <a:bodyPr rot="0" spcFirstLastPara="1" vertOverflow="ellipsis" vert="horz" wrap="square" anchor="ctr" anchorCtr="1"/>
+            <a:lstStyle/>
+            <a:p>
+              <a:pPr>
+                <a:defRPr sz="1100" b="0" i="0" u="none" strike="noStrike" kern="1200" baseline="0">
+                  <a:solidFill>
+                    <a:schemeClr val="tx1">
+                      <a:lumMod val="65000"/>
+                      <a:lumOff val="35000"/>
+                    </a:schemeClr>
+                  </a:solidFill>
+                  <a:latin typeface="+mn-lt"/>
+                  <a:ea typeface="+mn-ea"/>
+                  <a:cs typeface="+mn-cs"/>
+                </a:defRPr>
+              </a:pPr>
+              <a:endParaRPr lang="en-US"/>
+            </a:p>
+          </c:txPr>
+        </c:title>
         <c:numFmt formatCode="General" sourceLinked="1"/>
         <c:majorTickMark val="out"/>
         <c:minorTickMark val="none"/>
@@ -2547,6 +2954,61 @@
             <a:effectLst/>
           </c:spPr>
         </c:majorGridlines>
+        <c:title>
+          <c:tx>
+            <c:rich>
+              <a:bodyPr rot="-5400000" spcFirstLastPara="1" vertOverflow="ellipsis" vert="horz" wrap="square" anchor="ctr" anchorCtr="1"/>
+              <a:lstStyle/>
+              <a:p>
+                <a:pPr>
+                  <a:defRPr sz="1400" b="0" i="0" u="none" strike="noStrike" kern="1200" baseline="0">
+                    <a:solidFill>
+                      <a:schemeClr val="tx1">
+                        <a:lumMod val="65000"/>
+                        <a:lumOff val="35000"/>
+                      </a:schemeClr>
+                    </a:solidFill>
+                    <a:latin typeface="+mn-lt"/>
+                    <a:ea typeface="+mn-ea"/>
+                    <a:cs typeface="+mn-cs"/>
+                  </a:defRPr>
+                </a:pPr>
+                <a:r>
+                  <a:rPr lang="en-US" sz="1400" dirty="0"/>
+                  <a:t>Percentage of changes</a:t>
+                </a:r>
+              </a:p>
+            </c:rich>
+          </c:tx>
+          <c:overlay val="0"/>
+          <c:spPr>
+            <a:noFill/>
+            <a:ln>
+              <a:noFill/>
+            </a:ln>
+            <a:effectLst/>
+          </c:spPr>
+          <c:txPr>
+            <a:bodyPr rot="-5400000" spcFirstLastPara="1" vertOverflow="ellipsis" vert="horz" wrap="square" anchor="ctr" anchorCtr="1"/>
+            <a:lstStyle/>
+            <a:p>
+              <a:pPr>
+                <a:defRPr sz="1400" b="0" i="0" u="none" strike="noStrike" kern="1200" baseline="0">
+                  <a:solidFill>
+                    <a:schemeClr val="tx1">
+                      <a:lumMod val="65000"/>
+                      <a:lumOff val="35000"/>
+                    </a:schemeClr>
+                  </a:solidFill>
+                  <a:latin typeface="+mn-lt"/>
+                  <a:ea typeface="+mn-ea"/>
+                  <a:cs typeface="+mn-cs"/>
+                </a:defRPr>
+              </a:pPr>
+              <a:endParaRPr lang="en-US"/>
+            </a:p>
+          </c:txPr>
+        </c:title>
         <c:numFmt formatCode="0%" sourceLinked="1"/>
         <c:majorTickMark val="out"/>
         <c:minorTickMark val="none"/>
@@ -2635,6 +3097,66 @@
     <c:fmtId val="10"/>
   </c:pivotSource>
   <c:chart>
+    <c:title>
+      <c:tx>
+        <c:rich>
+          <a:bodyPr rot="0" spcFirstLastPara="1" vertOverflow="ellipsis" vert="horz" wrap="square" anchor="ctr" anchorCtr="1"/>
+          <a:lstStyle/>
+          <a:p>
+            <a:pPr>
+              <a:defRPr sz="1400" b="0" i="0" u="none" strike="noStrike" kern="1200" spc="0" baseline="0">
+                <a:solidFill>
+                  <a:schemeClr val="tx1">
+                    <a:lumMod val="65000"/>
+                    <a:lumOff val="35000"/>
+                  </a:schemeClr>
+                </a:solidFill>
+                <a:latin typeface="+mn-lt"/>
+                <a:ea typeface="+mn-ea"/>
+                <a:cs typeface="+mn-cs"/>
+              </a:defRPr>
+            </a:pPr>
+            <a:r>
+              <a:rPr lang="en-US" sz="1400" dirty="0"/>
+              <a:t>Racial Bias</a:t>
+            </a:r>
+            <a:r>
+              <a:rPr lang="en-US" sz="1400" baseline="0" dirty="0"/>
+              <a:t> Incidents</a:t>
+            </a:r>
+            <a:endParaRPr lang="en-US" sz="1400" dirty="0"/>
+          </a:p>
+        </c:rich>
+      </c:tx>
+      <c:overlay val="0"/>
+      <c:spPr>
+        <a:noFill/>
+        <a:ln>
+          <a:noFill/>
+        </a:ln>
+        <a:effectLst/>
+      </c:spPr>
+      <c:txPr>
+        <a:bodyPr rot="0" spcFirstLastPara="1" vertOverflow="ellipsis" vert="horz" wrap="square" anchor="ctr" anchorCtr="1"/>
+        <a:lstStyle/>
+        <a:p>
+          <a:pPr>
+            <a:defRPr sz="1400" b="0" i="0" u="none" strike="noStrike" kern="1200" spc="0" baseline="0">
+              <a:solidFill>
+                <a:schemeClr val="tx1">
+                  <a:lumMod val="65000"/>
+                  <a:lumOff val="35000"/>
+                </a:schemeClr>
+              </a:solidFill>
+              <a:latin typeface="+mn-lt"/>
+              <a:ea typeface="+mn-ea"/>
+              <a:cs typeface="+mn-cs"/>
+            </a:defRPr>
+          </a:pPr>
+          <a:endParaRPr lang="en-US"/>
+        </a:p>
+      </c:txPr>
+    </c:title>
     <c:autoTitleDeleted val="0"/>
     <c:pivotFmts>
       <c:pivotFmt>
@@ -5653,10 +6175,10 @@
           <c:layoutTarget val="inner"/>
           <c:xMode val="edge"/>
           <c:yMode val="edge"/>
-          <c:x val="3.5835149552214417E-2"/>
+          <c:x val="4.8335153653265642E-2"/>
           <c:y val="3.9621584091919806E-2"/>
-          <c:w val="0.76055938666646539"/>
-          <c:h val="0.87053385050325371"/>
+          <c:w val="0.79076772991067257"/>
+          <c:h val="0.80209656888993774"/>
         </c:manualLayout>
       </c:layout>
       <c:lineChart>
@@ -7525,6 +8047,68 @@
         </c:scaling>
         <c:delete val="0"/>
         <c:axPos val="b"/>
+        <c:title>
+          <c:tx>
+            <c:rich>
+              <a:bodyPr rot="0" spcFirstLastPara="1" vertOverflow="ellipsis" vert="horz" wrap="square" anchor="ctr" anchorCtr="1"/>
+              <a:lstStyle/>
+              <a:p>
+                <a:pPr>
+                  <a:defRPr sz="1000" b="0" i="0" u="none" strike="noStrike" kern="1200" baseline="0">
+                    <a:solidFill>
+                      <a:schemeClr val="tx1">
+                        <a:lumMod val="65000"/>
+                        <a:lumOff val="35000"/>
+                      </a:schemeClr>
+                    </a:solidFill>
+                    <a:latin typeface="+mn-lt"/>
+                    <a:ea typeface="+mn-ea"/>
+                    <a:cs typeface="+mn-cs"/>
+                  </a:defRPr>
+                </a:pPr>
+                <a:r>
+                  <a:rPr lang="en-US" sz="1000" b="0" i="0" u="none" strike="noStrike" kern="1200" baseline="0" dirty="0">
+                    <a:solidFill>
+                      <a:srgbClr val="000000">
+                        <a:lumMod val="65000"/>
+                        <a:lumOff val="35000"/>
+                      </a:srgbClr>
+                    </a:solidFill>
+                  </a:rPr>
+                  <a:t>Incident Year</a:t>
+                </a:r>
+              </a:p>
+            </c:rich>
+          </c:tx>
+          <c:overlay val="0"/>
+          <c:spPr>
+            <a:noFill/>
+            <a:ln>
+              <a:noFill/>
+            </a:ln>
+            <a:effectLst/>
+          </c:spPr>
+          <c:txPr>
+            <a:bodyPr rot="0" spcFirstLastPara="1" vertOverflow="ellipsis" vert="horz" wrap="square" anchor="ctr" anchorCtr="1"/>
+            <a:lstStyle/>
+            <a:p>
+              <a:pPr>
+                <a:defRPr sz="1000" b="0" i="0" u="none" strike="noStrike" kern="1200" baseline="0">
+                  <a:solidFill>
+                    <a:schemeClr val="tx1">
+                      <a:lumMod val="65000"/>
+                      <a:lumOff val="35000"/>
+                    </a:schemeClr>
+                  </a:solidFill>
+                  <a:latin typeface="+mn-lt"/>
+                  <a:ea typeface="+mn-ea"/>
+                  <a:cs typeface="+mn-cs"/>
+                </a:defRPr>
+              </a:pPr>
+              <a:endParaRPr lang="en-US"/>
+            </a:p>
+          </c:txPr>
+        </c:title>
         <c:numFmt formatCode="General" sourceLinked="1"/>
         <c:majorTickMark val="none"/>
         <c:minorTickMark val="none"/>
@@ -7590,6 +8174,66 @@
             <a:effectLst/>
           </c:spPr>
         </c:majorGridlines>
+        <c:title>
+          <c:tx>
+            <c:rich>
+              <a:bodyPr rot="-5400000" spcFirstLastPara="1" vertOverflow="ellipsis" vert="horz" wrap="square" anchor="ctr" anchorCtr="1"/>
+              <a:lstStyle/>
+              <a:p>
+                <a:pPr>
+                  <a:defRPr sz="1000" b="0" i="0" u="none" strike="noStrike" kern="1200" baseline="0">
+                    <a:solidFill>
+                      <a:schemeClr val="tx1">
+                        <a:lumMod val="65000"/>
+                        <a:lumOff val="35000"/>
+                      </a:schemeClr>
+                    </a:solidFill>
+                    <a:latin typeface="+mn-lt"/>
+                    <a:ea typeface="+mn-ea"/>
+                    <a:cs typeface="+mn-cs"/>
+                  </a:defRPr>
+                </a:pPr>
+                <a:r>
+                  <a:rPr lang="en-US" dirty="0"/>
+                  <a:t>Total</a:t>
+                </a:r>
+                <a:r>
+                  <a:rPr lang="en-US" baseline="0" dirty="0"/>
+                  <a:t> Incidents</a:t>
+                </a:r>
+                <a:endParaRPr lang="en-US" dirty="0"/>
+              </a:p>
+            </c:rich>
+          </c:tx>
+          <c:overlay val="0"/>
+          <c:spPr>
+            <a:noFill/>
+            <a:ln>
+              <a:noFill/>
+            </a:ln>
+            <a:effectLst/>
+          </c:spPr>
+          <c:txPr>
+            <a:bodyPr rot="-5400000" spcFirstLastPara="1" vertOverflow="ellipsis" vert="horz" wrap="square" anchor="ctr" anchorCtr="1"/>
+            <a:lstStyle/>
+            <a:p>
+              <a:pPr>
+                <a:defRPr sz="1000" b="0" i="0" u="none" strike="noStrike" kern="1200" baseline="0">
+                  <a:solidFill>
+                    <a:schemeClr val="tx1">
+                      <a:lumMod val="65000"/>
+                      <a:lumOff val="35000"/>
+                    </a:schemeClr>
+                  </a:solidFill>
+                  <a:latin typeface="+mn-lt"/>
+                  <a:ea typeface="+mn-ea"/>
+                  <a:cs typeface="+mn-cs"/>
+                </a:defRPr>
+              </a:pPr>
+              <a:endParaRPr lang="en-US"/>
+            </a:p>
+          </c:txPr>
+        </c:title>
         <c:numFmt formatCode="General" sourceLinked="1"/>
         <c:majorTickMark val="none"/>
         <c:minorTickMark val="none"/>
@@ -7639,9 +8283,9 @@
         <c:manualLayout>
           <c:xMode val="edge"/>
           <c:yMode val="edge"/>
-          <c:x val="0.81201954134499377"/>
+          <c:x val="0.84639455262288477"/>
           <c:y val="5.4217755915159316E-2"/>
-          <c:w val="0.18068878959605958"/>
+          <c:w val="0.14631377831816875"/>
           <c:h val="0.90065561384242576"/>
         </c:manualLayout>
       </c:layout>
@@ -7742,6 +8386,73 @@
     <c:fmtId val="11"/>
   </c:pivotSource>
   <c:chart>
+    <c:title>
+      <c:tx>
+        <c:rich>
+          <a:bodyPr rot="0" spcFirstLastPara="1" vertOverflow="ellipsis" vert="horz" wrap="square" anchor="ctr" anchorCtr="1"/>
+          <a:lstStyle/>
+          <a:p>
+            <a:pPr>
+              <a:defRPr sz="1400" b="0" i="0" u="none" strike="noStrike" kern="1200" spc="0" baseline="0">
+                <a:solidFill>
+                  <a:schemeClr val="tx1">
+                    <a:lumMod val="65000"/>
+                    <a:lumOff val="35000"/>
+                  </a:schemeClr>
+                </a:solidFill>
+                <a:latin typeface="+mn-lt"/>
+                <a:ea typeface="+mn-ea"/>
+                <a:cs typeface="+mn-cs"/>
+              </a:defRPr>
+            </a:pPr>
+            <a:r>
+              <a:rPr lang="en-US" sz="1400" dirty="0"/>
+              <a:t>LGBTQ</a:t>
+            </a:r>
+            <a:r>
+              <a:rPr lang="en-US" sz="1400" b="0" i="0" u="none" strike="noStrike" kern="1200" spc="0" baseline="0" dirty="0">
+                <a:solidFill>
+                  <a:srgbClr val="000000">
+                    <a:lumMod val="65000"/>
+                    <a:lumOff val="35000"/>
+                  </a:srgbClr>
+                </a:solidFill>
+              </a:rPr>
+              <a:t> Bias Incidents</a:t>
+            </a:r>
+            <a:endParaRPr lang="en-US" sz="1400" dirty="0"/>
+          </a:p>
+        </c:rich>
+      </c:tx>
+      <c:overlay val="0"/>
+      <c:spPr>
+        <a:noFill/>
+        <a:ln>
+          <a:noFill/>
+        </a:ln>
+        <a:effectLst/>
+      </c:spPr>
+      <c:txPr>
+        <a:bodyPr rot="0" spcFirstLastPara="1" vertOverflow="ellipsis" vert="horz" wrap="square" anchor="ctr" anchorCtr="1"/>
+        <a:lstStyle/>
+        <a:p>
+          <a:pPr>
+            <a:defRPr sz="1400" b="0" i="0" u="none" strike="noStrike" kern="1200" spc="0" baseline="0">
+              <a:solidFill>
+                <a:schemeClr val="tx1">
+                  <a:lumMod val="65000"/>
+                  <a:lumOff val="35000"/>
+                </a:schemeClr>
+              </a:solidFill>
+              <a:latin typeface="+mn-lt"/>
+              <a:ea typeface="+mn-ea"/>
+              <a:cs typeface="+mn-cs"/>
+            </a:defRPr>
+          </a:pPr>
+          <a:endParaRPr lang="en-US"/>
+        </a:p>
+      </c:txPr>
+    </c:title>
     <c:autoTitleDeleted val="0"/>
     <c:pivotFmts>
       <c:pivotFmt>
@@ -11173,10 +11884,10 @@
           <c:layoutTarget val="inner"/>
           <c:xMode val="edge"/>
           <c:yMode val="edge"/>
-          <c:x val="3.4204888451443573E-2"/>
+          <c:x val="5.5038221784776901E-2"/>
           <c:y val="3.9621572854486156E-2"/>
-          <c:w val="0.76906988188976377"/>
-          <c:h val="0.87053388722231217"/>
+          <c:w val="0.77948654855643063"/>
+          <c:h val="0.80569858618769852"/>
         </c:manualLayout>
       </c:layout>
       <c:lineChart>
@@ -12345,6 +13056,68 @@
         </c:scaling>
         <c:delete val="0"/>
         <c:axPos val="b"/>
+        <c:title>
+          <c:tx>
+            <c:rich>
+              <a:bodyPr rot="0" spcFirstLastPara="1" vertOverflow="ellipsis" vert="horz" wrap="square" anchor="ctr" anchorCtr="1"/>
+              <a:lstStyle/>
+              <a:p>
+                <a:pPr>
+                  <a:defRPr sz="1000" b="0" i="0" u="none" strike="noStrike" kern="1200" baseline="0">
+                    <a:solidFill>
+                      <a:schemeClr val="tx1">
+                        <a:lumMod val="65000"/>
+                        <a:lumOff val="35000"/>
+                      </a:schemeClr>
+                    </a:solidFill>
+                    <a:latin typeface="+mn-lt"/>
+                    <a:ea typeface="+mn-ea"/>
+                    <a:cs typeface="+mn-cs"/>
+                  </a:defRPr>
+                </a:pPr>
+                <a:r>
+                  <a:rPr lang="en-US" sz="1000" b="0" i="0" u="none" strike="noStrike" kern="1200" baseline="0" dirty="0">
+                    <a:solidFill>
+                      <a:srgbClr val="000000">
+                        <a:lumMod val="65000"/>
+                        <a:lumOff val="35000"/>
+                      </a:srgbClr>
+                    </a:solidFill>
+                  </a:rPr>
+                  <a:t>Incident Year</a:t>
+                </a:r>
+              </a:p>
+            </c:rich>
+          </c:tx>
+          <c:overlay val="0"/>
+          <c:spPr>
+            <a:noFill/>
+            <a:ln>
+              <a:noFill/>
+            </a:ln>
+            <a:effectLst/>
+          </c:spPr>
+          <c:txPr>
+            <a:bodyPr rot="0" spcFirstLastPara="1" vertOverflow="ellipsis" vert="horz" wrap="square" anchor="ctr" anchorCtr="1"/>
+            <a:lstStyle/>
+            <a:p>
+              <a:pPr>
+                <a:defRPr sz="1000" b="0" i="0" u="none" strike="noStrike" kern="1200" baseline="0">
+                  <a:solidFill>
+                    <a:schemeClr val="tx1">
+                      <a:lumMod val="65000"/>
+                      <a:lumOff val="35000"/>
+                    </a:schemeClr>
+                  </a:solidFill>
+                  <a:latin typeface="+mn-lt"/>
+                  <a:ea typeface="+mn-ea"/>
+                  <a:cs typeface="+mn-cs"/>
+                </a:defRPr>
+              </a:pPr>
+              <a:endParaRPr lang="en-US"/>
+            </a:p>
+          </c:txPr>
+        </c:title>
         <c:numFmt formatCode="General" sourceLinked="1"/>
         <c:majorTickMark val="none"/>
         <c:minorTickMark val="none"/>
@@ -12410,6 +13183,68 @@
             <a:effectLst/>
           </c:spPr>
         </c:majorGridlines>
+        <c:title>
+          <c:tx>
+            <c:rich>
+              <a:bodyPr rot="-5400000" spcFirstLastPara="1" vertOverflow="ellipsis" vert="horz" wrap="square" anchor="ctr" anchorCtr="1"/>
+              <a:lstStyle/>
+              <a:p>
+                <a:pPr>
+                  <a:defRPr sz="1000" b="0" i="0" u="none" strike="noStrike" kern="1200" baseline="0">
+                    <a:solidFill>
+                      <a:schemeClr val="tx1">
+                        <a:lumMod val="65000"/>
+                        <a:lumOff val="35000"/>
+                      </a:schemeClr>
+                    </a:solidFill>
+                    <a:latin typeface="+mn-lt"/>
+                    <a:ea typeface="+mn-ea"/>
+                    <a:cs typeface="+mn-cs"/>
+                  </a:defRPr>
+                </a:pPr>
+                <a:r>
+                  <a:rPr lang="en-US" sz="1000" b="0" i="0" u="none" strike="noStrike" kern="1200" baseline="0" dirty="0">
+                    <a:solidFill>
+                      <a:srgbClr val="000000">
+                        <a:lumMod val="65000"/>
+                        <a:lumOff val="35000"/>
+                      </a:srgbClr>
+                    </a:solidFill>
+                  </a:rPr>
+                  <a:t>Total Incidents</a:t>
+                </a:r>
+              </a:p>
+            </c:rich>
+          </c:tx>
+          <c:overlay val="0"/>
+          <c:spPr>
+            <a:noFill/>
+            <a:ln>
+              <a:noFill/>
+            </a:ln>
+            <a:effectLst/>
+          </c:spPr>
+          <c:txPr>
+            <a:bodyPr rot="-5400000" spcFirstLastPara="1" vertOverflow="ellipsis" vert="horz" wrap="square" anchor="ctr" anchorCtr="1"/>
+            <a:lstStyle/>
+            <a:p>
+              <a:pPr>
+                <a:defRPr sz="1000" b="0" i="0" u="none" strike="noStrike" kern="1200" baseline="0">
+                  <a:solidFill>
+                    <a:schemeClr val="tx1">
+                      <a:lumMod val="65000"/>
+                      <a:lumOff val="35000"/>
+                    </a:schemeClr>
+                  </a:solidFill>
+                  <a:latin typeface="+mn-lt"/>
+                  <a:ea typeface="+mn-ea"/>
+                  <a:cs typeface="+mn-cs"/>
+                </a:defRPr>
+              </a:pPr>
+              <a:endParaRPr lang="en-US"/>
+            </a:p>
+          </c:txPr>
+        </c:title>
         <c:numFmt formatCode="General" sourceLinked="1"/>
         <c:majorTickMark val="none"/>
         <c:minorTickMark val="none"/>
@@ -12459,10 +13294,10 @@
         <c:manualLayout>
           <c:xMode val="edge"/>
           <c:yMode val="edge"/>
-          <c:x val="0.80744143700787419"/>
-          <c:y val="0.26361902935938697"/>
-          <c:w val="0.18630856299212603"/>
-          <c:h val="0.6132381432372328"/>
+          <c:x val="0.83660810367454086"/>
+          <c:y val="0.18077392248182497"/>
+          <c:w val="0.15714189632545933"/>
+          <c:h val="0.69608325011479477"/>
         </c:manualLayout>
       </c:layout>
       <c:overlay val="0"/>
@@ -12562,6 +13397,73 @@
     <c:fmtId val="12"/>
   </c:pivotSource>
   <c:chart>
+    <c:title>
+      <c:tx>
+        <c:rich>
+          <a:bodyPr rot="0" spcFirstLastPara="1" vertOverflow="ellipsis" vert="horz" wrap="square" anchor="ctr" anchorCtr="1"/>
+          <a:lstStyle/>
+          <a:p>
+            <a:pPr>
+              <a:defRPr sz="1400" b="0" i="0" u="none" strike="noStrike" kern="1200" spc="0" baseline="0">
+                <a:solidFill>
+                  <a:schemeClr val="tx1">
+                    <a:lumMod val="65000"/>
+                    <a:lumOff val="35000"/>
+                  </a:schemeClr>
+                </a:solidFill>
+                <a:latin typeface="+mn-lt"/>
+                <a:ea typeface="+mn-ea"/>
+                <a:cs typeface="+mn-cs"/>
+              </a:defRPr>
+            </a:pPr>
+            <a:r>
+              <a:rPr lang="en-US" sz="1400" dirty="0"/>
+              <a:t>Religious</a:t>
+            </a:r>
+            <a:r>
+              <a:rPr lang="en-US" sz="1400" b="0" i="0" u="none" strike="noStrike" kern="1200" spc="0" baseline="0" dirty="0">
+                <a:solidFill>
+                  <a:srgbClr val="000000">
+                    <a:lumMod val="65000"/>
+                    <a:lumOff val="35000"/>
+                  </a:srgbClr>
+                </a:solidFill>
+              </a:rPr>
+              <a:t> Bias Incidents</a:t>
+            </a:r>
+            <a:endParaRPr lang="en-US" sz="1400" dirty="0"/>
+          </a:p>
+        </c:rich>
+      </c:tx>
+      <c:overlay val="0"/>
+      <c:spPr>
+        <a:noFill/>
+        <a:ln>
+          <a:noFill/>
+        </a:ln>
+        <a:effectLst/>
+      </c:spPr>
+      <c:txPr>
+        <a:bodyPr rot="0" spcFirstLastPara="1" vertOverflow="ellipsis" vert="horz" wrap="square" anchor="ctr" anchorCtr="1"/>
+        <a:lstStyle/>
+        <a:p>
+          <a:pPr>
+            <a:defRPr sz="1400" b="0" i="0" u="none" strike="noStrike" kern="1200" spc="0" baseline="0">
+              <a:solidFill>
+                <a:schemeClr val="tx1">
+                  <a:lumMod val="65000"/>
+                  <a:lumOff val="35000"/>
+                </a:schemeClr>
+              </a:solidFill>
+              <a:latin typeface="+mn-lt"/>
+              <a:ea typeface="+mn-ea"/>
+              <a:cs typeface="+mn-cs"/>
+            </a:defRPr>
+          </a:pPr>
+          <a:endParaRPr lang="en-US"/>
+        </a:p>
+      </c:txPr>
+    </c:title>
     <c:autoTitleDeleted val="0"/>
     <c:pivotFmts>
       <c:pivotFmt>
@@ -19002,10 +19904,10 @@
           <c:layoutTarget val="inner"/>
           <c:xMode val="edge"/>
           <c:yMode val="edge"/>
-          <c:x val="3.4204888451443573E-2"/>
+          <c:x val="4.8788221784776903E-2"/>
           <c:y val="3.9759066319374876E-2"/>
-          <c:w val="0.78558062664042005"/>
-          <c:h val="0.87008461822189032"/>
+          <c:w val="0.77099729330708666"/>
+          <c:h val="0.80502432788109501"/>
         </c:manualLayout>
       </c:layout>
       <c:lineChart>
@@ -21687,6 +22589,68 @@
         </c:scaling>
         <c:delete val="0"/>
         <c:axPos val="b"/>
+        <c:title>
+          <c:tx>
+            <c:rich>
+              <a:bodyPr rot="0" spcFirstLastPara="1" vertOverflow="ellipsis" vert="horz" wrap="square" anchor="ctr" anchorCtr="1"/>
+              <a:lstStyle/>
+              <a:p>
+                <a:pPr>
+                  <a:defRPr sz="1000" b="0" i="0" u="none" strike="noStrike" kern="1200" baseline="0">
+                    <a:solidFill>
+                      <a:schemeClr val="tx1">
+                        <a:lumMod val="65000"/>
+                        <a:lumOff val="35000"/>
+                      </a:schemeClr>
+                    </a:solidFill>
+                    <a:latin typeface="+mn-lt"/>
+                    <a:ea typeface="+mn-ea"/>
+                    <a:cs typeface="+mn-cs"/>
+                  </a:defRPr>
+                </a:pPr>
+                <a:r>
+                  <a:rPr lang="en-US" sz="1000" b="0" i="0" u="none" strike="noStrike" kern="1200" baseline="0" dirty="0">
+                    <a:solidFill>
+                      <a:srgbClr val="000000">
+                        <a:lumMod val="65000"/>
+                        <a:lumOff val="35000"/>
+                      </a:srgbClr>
+                    </a:solidFill>
+                  </a:rPr>
+                  <a:t>Incident Year</a:t>
+                </a:r>
+              </a:p>
+            </c:rich>
+          </c:tx>
+          <c:overlay val="0"/>
+          <c:spPr>
+            <a:noFill/>
+            <a:ln>
+              <a:noFill/>
+            </a:ln>
+            <a:effectLst/>
+          </c:spPr>
+          <c:txPr>
+            <a:bodyPr rot="0" spcFirstLastPara="1" vertOverflow="ellipsis" vert="horz" wrap="square" anchor="ctr" anchorCtr="1"/>
+            <a:lstStyle/>
+            <a:p>
+              <a:pPr>
+                <a:defRPr sz="1000" b="0" i="0" u="none" strike="noStrike" kern="1200" baseline="0">
+                  <a:solidFill>
+                    <a:schemeClr val="tx1">
+                      <a:lumMod val="65000"/>
+                      <a:lumOff val="35000"/>
+                    </a:schemeClr>
+                  </a:solidFill>
+                  <a:latin typeface="+mn-lt"/>
+                  <a:ea typeface="+mn-ea"/>
+                  <a:cs typeface="+mn-cs"/>
+                </a:defRPr>
+              </a:pPr>
+              <a:endParaRPr lang="en-US"/>
+            </a:p>
+          </c:txPr>
+        </c:title>
         <c:numFmt formatCode="General" sourceLinked="1"/>
         <c:majorTickMark val="none"/>
         <c:minorTickMark val="none"/>
@@ -21752,6 +22716,96 @@
             <a:effectLst/>
           </c:spPr>
         </c:majorGridlines>
+        <c:title>
+          <c:tx>
+            <c:rich>
+              <a:bodyPr rot="-5400000" spcFirstLastPara="1" vertOverflow="ellipsis" vert="horz" wrap="square" anchor="ctr" anchorCtr="1"/>
+              <a:lstStyle/>
+              <a:p>
+                <a:pPr marL="0" marR="0" lvl="0" indent="0" algn="ctr" defTabSz="914400" rtl="0" eaLnBrk="1" fontAlgn="auto" latinLnBrk="0" hangingPunct="1">
+                  <a:lnSpc>
+                    <a:spcPct val="100000"/>
+                  </a:lnSpc>
+                  <a:spcBef>
+                    <a:spcPts val="0"/>
+                  </a:spcBef>
+                  <a:spcAft>
+                    <a:spcPts val="0"/>
+                  </a:spcAft>
+                  <a:buClrTx/>
+                  <a:buSzTx/>
+                  <a:buFontTx/>
+                  <a:buNone/>
+                  <a:tabLst/>
+                  <a:defRPr sz="1000" b="0" i="0" u="none" strike="noStrike" kern="1200" baseline="0">
+                    <a:solidFill>
+                      <a:srgbClr val="000000">
+                        <a:lumMod val="65000"/>
+                        <a:lumOff val="35000"/>
+                      </a:srgbClr>
+                    </a:solidFill>
+                    <a:latin typeface="+mn-lt"/>
+                    <a:ea typeface="+mn-ea"/>
+                    <a:cs typeface="+mn-cs"/>
+                  </a:defRPr>
+                </a:pPr>
+                <a:r>
+                  <a:rPr lang="en-US" sz="1000" b="0" i="0" u="none" strike="noStrike" kern="1200" baseline="0" dirty="0">
+                    <a:solidFill>
+                      <a:srgbClr val="000000">
+                        <a:lumMod val="65000"/>
+                        <a:lumOff val="35000"/>
+                      </a:srgbClr>
+                    </a:solidFill>
+                  </a:rPr>
+                  <a:t>Total Incidents</a:t>
+                </a:r>
+              </a:p>
+            </c:rich>
+          </c:tx>
+          <c:overlay val="0"/>
+          <c:spPr>
+            <a:noFill/>
+            <a:ln>
+              <a:noFill/>
+            </a:ln>
+            <a:effectLst/>
+          </c:spPr>
+          <c:txPr>
+            <a:bodyPr rot="-5400000" spcFirstLastPara="1" vertOverflow="ellipsis" vert="horz" wrap="square" anchor="ctr" anchorCtr="1"/>
+            <a:lstStyle/>
+            <a:p>
+              <a:pPr marL="0" marR="0" lvl="0" indent="0" algn="ctr" defTabSz="914400" rtl="0" eaLnBrk="1" fontAlgn="auto" latinLnBrk="0" hangingPunct="1">
+                <a:lnSpc>
+                  <a:spcPct val="100000"/>
+                </a:lnSpc>
+                <a:spcBef>
+                  <a:spcPts val="0"/>
+                </a:spcBef>
+                <a:spcAft>
+                  <a:spcPts val="0"/>
+                </a:spcAft>
+                <a:buClrTx/>
+                <a:buSzTx/>
+                <a:buFontTx/>
+                <a:buNone/>
+                <a:tabLst/>
+                <a:defRPr sz="1000" b="0" i="0" u="none" strike="noStrike" kern="1200" baseline="0">
+                  <a:solidFill>
+                    <a:srgbClr val="000000">
+                      <a:lumMod val="65000"/>
+                      <a:lumOff val="35000"/>
+                    </a:srgbClr>
+                  </a:solidFill>
+                  <a:latin typeface="+mn-lt"/>
+                  <a:ea typeface="+mn-ea"/>
+                  <a:cs typeface="+mn-cs"/>
+                </a:defRPr>
+              </a:pPr>
+              <a:endParaRPr lang="en-US"/>
+            </a:p>
+          </c:txPr>
+        </c:title>
         <c:numFmt formatCode="General" sourceLinked="1"/>
         <c:majorTickMark val="none"/>
         <c:minorTickMark val="none"/>
@@ -21904,6 +22958,77 @@
     <c:fmtId val="15"/>
   </c:pivotSource>
   <c:chart>
+    <c:title>
+      <c:tx>
+        <c:rich>
+          <a:bodyPr rot="0" spcFirstLastPara="1" vertOverflow="ellipsis" vert="horz" wrap="square" anchor="ctr" anchorCtr="1"/>
+          <a:lstStyle/>
+          <a:p>
+            <a:pPr>
+              <a:defRPr sz="1400" b="0" i="0" u="none" strike="noStrike" kern="1200" spc="0" baseline="0">
+                <a:solidFill>
+                  <a:schemeClr val="tx1">
+                    <a:lumMod val="65000"/>
+                    <a:lumOff val="35000"/>
+                  </a:schemeClr>
+                </a:solidFill>
+                <a:latin typeface="+mn-lt"/>
+                <a:ea typeface="+mn-ea"/>
+                <a:cs typeface="+mn-cs"/>
+              </a:defRPr>
+            </a:pPr>
+            <a:r>
+              <a:rPr lang="en-US" sz="1400" dirty="0"/>
+              <a:t>Gender</a:t>
+            </a:r>
+            <a:r>
+              <a:rPr lang="en-US" sz="1400" baseline="0" dirty="0"/>
+              <a:t> </a:t>
+            </a:r>
+            <a:r>
+              <a:rPr lang="en-US" sz="1400" b="0" i="0" u="none" strike="noStrike" kern="1200" spc="0" baseline="0" dirty="0">
+                <a:solidFill>
+                  <a:srgbClr val="000000">
+                    <a:lumMod val="65000"/>
+                    <a:lumOff val="35000"/>
+                  </a:srgbClr>
+                </a:solidFill>
+              </a:rPr>
+              <a:t> Bias Incidents</a:t>
+            </a:r>
+            <a:endParaRPr lang="en-US" sz="1400" dirty="0"/>
+          </a:p>
+        </c:rich>
+      </c:tx>
+      <c:overlay val="0"/>
+      <c:spPr>
+        <a:noFill/>
+        <a:ln>
+          <a:noFill/>
+        </a:ln>
+        <a:effectLst/>
+      </c:spPr>
+      <c:txPr>
+        <a:bodyPr rot="0" spcFirstLastPara="1" vertOverflow="ellipsis" vert="horz" wrap="square" anchor="ctr" anchorCtr="1"/>
+        <a:lstStyle/>
+        <a:p>
+          <a:pPr>
+            <a:defRPr sz="1400" b="0" i="0" u="none" strike="noStrike" kern="1200" spc="0" baseline="0">
+              <a:solidFill>
+                <a:schemeClr val="tx1">
+                  <a:lumMod val="65000"/>
+                  <a:lumOff val="35000"/>
+                </a:schemeClr>
+              </a:solidFill>
+              <a:latin typeface="+mn-lt"/>
+              <a:ea typeface="+mn-ea"/>
+              <a:cs typeface="+mn-cs"/>
+            </a:defRPr>
+          </a:pPr>
+          <a:endParaRPr lang="en-US"/>
+        </a:p>
+      </c:txPr>
+    </c:title>
     <c:autoTitleDeleted val="0"/>
     <c:pivotFmts>
       <c:pivotFmt>
@@ -28190,6 +29315,61 @@
         </c:scaling>
         <c:delete val="0"/>
         <c:axPos val="b"/>
+        <c:title>
+          <c:tx>
+            <c:rich>
+              <a:bodyPr rot="0" spcFirstLastPara="1" vertOverflow="ellipsis" vert="horz" wrap="square" anchor="ctr" anchorCtr="1"/>
+              <a:lstStyle/>
+              <a:p>
+                <a:pPr>
+                  <a:defRPr sz="1000" b="0" i="0" u="none" strike="noStrike" kern="1200" baseline="0">
+                    <a:solidFill>
+                      <a:schemeClr val="tx1">
+                        <a:lumMod val="65000"/>
+                        <a:lumOff val="35000"/>
+                      </a:schemeClr>
+                    </a:solidFill>
+                    <a:latin typeface="+mn-lt"/>
+                    <a:ea typeface="+mn-ea"/>
+                    <a:cs typeface="+mn-cs"/>
+                  </a:defRPr>
+                </a:pPr>
+                <a:r>
+                  <a:rPr lang="en-US" dirty="0"/>
+                  <a:t>Incident Year</a:t>
+                </a:r>
+              </a:p>
+            </c:rich>
+          </c:tx>
+          <c:overlay val="0"/>
+          <c:spPr>
+            <a:noFill/>
+            <a:ln>
+              <a:noFill/>
+            </a:ln>
+            <a:effectLst/>
+          </c:spPr>
+          <c:txPr>
+            <a:bodyPr rot="0" spcFirstLastPara="1" vertOverflow="ellipsis" vert="horz" wrap="square" anchor="ctr" anchorCtr="1"/>
+            <a:lstStyle/>
+            <a:p>
+              <a:pPr>
+                <a:defRPr sz="1000" b="0" i="0" u="none" strike="noStrike" kern="1200" baseline="0">
+                  <a:solidFill>
+                    <a:schemeClr val="tx1">
+                      <a:lumMod val="65000"/>
+                      <a:lumOff val="35000"/>
+                    </a:schemeClr>
+                  </a:solidFill>
+                  <a:latin typeface="+mn-lt"/>
+                  <a:ea typeface="+mn-ea"/>
+                  <a:cs typeface="+mn-cs"/>
+                </a:defRPr>
+              </a:pPr>
+              <a:endParaRPr lang="en-US"/>
+            </a:p>
+          </c:txPr>
+        </c:title>
         <c:numFmt formatCode="General" sourceLinked="1"/>
         <c:majorTickMark val="none"/>
         <c:minorTickMark val="none"/>
@@ -28255,6 +29435,68 @@
             <a:effectLst/>
           </c:spPr>
         </c:majorGridlines>
+        <c:title>
+          <c:tx>
+            <c:rich>
+              <a:bodyPr rot="-5400000" spcFirstLastPara="1" vertOverflow="ellipsis" vert="horz" wrap="square" anchor="ctr" anchorCtr="1"/>
+              <a:lstStyle/>
+              <a:p>
+                <a:pPr>
+                  <a:defRPr sz="1000" b="0" i="0" u="none" strike="noStrike" kern="1200" baseline="0">
+                    <a:solidFill>
+                      <a:schemeClr val="tx1">
+                        <a:lumMod val="65000"/>
+                        <a:lumOff val="35000"/>
+                      </a:schemeClr>
+                    </a:solidFill>
+                    <a:latin typeface="+mn-lt"/>
+                    <a:ea typeface="+mn-ea"/>
+                    <a:cs typeface="+mn-cs"/>
+                  </a:defRPr>
+                </a:pPr>
+                <a:r>
+                  <a:rPr lang="en-US" sz="1000" b="0" i="0" u="none" strike="noStrike" kern="1200" baseline="0" dirty="0">
+                    <a:solidFill>
+                      <a:srgbClr val="000000">
+                        <a:lumMod val="65000"/>
+                        <a:lumOff val="35000"/>
+                      </a:srgbClr>
+                    </a:solidFill>
+                  </a:rPr>
+                  <a:t>Total Incidents</a:t>
+                </a:r>
+              </a:p>
+            </c:rich>
+          </c:tx>
+          <c:overlay val="0"/>
+          <c:spPr>
+            <a:noFill/>
+            <a:ln>
+              <a:noFill/>
+            </a:ln>
+            <a:effectLst/>
+          </c:spPr>
+          <c:txPr>
+            <a:bodyPr rot="-5400000" spcFirstLastPara="1" vertOverflow="ellipsis" vert="horz" wrap="square" anchor="ctr" anchorCtr="1"/>
+            <a:lstStyle/>
+            <a:p>
+              <a:pPr>
+                <a:defRPr sz="1000" b="0" i="0" u="none" strike="noStrike" kern="1200" baseline="0">
+                  <a:solidFill>
+                    <a:schemeClr val="tx1">
+                      <a:lumMod val="65000"/>
+                      <a:lumOff val="35000"/>
+                    </a:schemeClr>
+                  </a:solidFill>
+                  <a:latin typeface="+mn-lt"/>
+                  <a:ea typeface="+mn-ea"/>
+                  <a:cs typeface="+mn-cs"/>
+                </a:defRPr>
+              </a:pPr>
+              <a:endParaRPr lang="en-US"/>
+            </a:p>
+          </c:txPr>
+        </c:title>
         <c:numFmt formatCode="General" sourceLinked="1"/>
         <c:majorTickMark val="none"/>
         <c:minorTickMark val="none"/>
@@ -37722,7 +38964,7 @@
           <a:p>
             <a:fld id="{6E5C0719-993D-42E1-80ED-8F01056F36C2}" type="datetimeFigureOut">
               <a:rPr lang="en-US" smtClean="0"/>
-              <a:t>2/6/2024</a:t>
+              <a:t>2/7/2024</a:t>
             </a:fld>
             <a:endParaRPr lang="en-US" dirty="0"/>
           </a:p>
@@ -37899,7 +39141,7 @@
           <a:p>
             <a:fld id="{21D3BC9C-6C58-464F-B94E-FD73C5FB016E}" type="datetimeFigureOut">
               <a:rPr lang="en-US" smtClean="0"/>
-              <a:t>2/6/2024</a:t>
+              <a:t>2/7/2024</a:t>
             </a:fld>
             <a:endParaRPr lang="en-US" dirty="0"/>
           </a:p>
@@ -39948,7 +41190,7 @@
           <a:p>
             <a:fld id="{40DA1498-92C7-4E4B-8045-C9195F453964}" type="datetimeFigureOut">
               <a:rPr lang="en-US" smtClean="0"/>
-              <a:t>2/6/2024</a:t>
+              <a:t>2/7/2024</a:t>
             </a:fld>
             <a:endParaRPr lang="en-US" dirty="0"/>
           </a:p>
@@ -40146,7 +41388,7 @@
           <a:p>
             <a:fld id="{40DA1498-92C7-4E4B-8045-C9195F453964}" type="datetimeFigureOut">
               <a:rPr lang="en-US" smtClean="0"/>
-              <a:t>2/6/2024</a:t>
+              <a:t>2/7/2024</a:t>
             </a:fld>
             <a:endParaRPr lang="en-US" dirty="0"/>
           </a:p>
@@ -40354,7 +41596,7 @@
           <a:p>
             <a:fld id="{40DA1498-92C7-4E4B-8045-C9195F453964}" type="datetimeFigureOut">
               <a:rPr lang="en-US" smtClean="0"/>
-              <a:t>2/6/2024</a:t>
+              <a:t>2/7/2024</a:t>
             </a:fld>
             <a:endParaRPr lang="en-US" dirty="0"/>
           </a:p>
@@ -40552,7 +41794,7 @@
           <a:p>
             <a:fld id="{40DA1498-92C7-4E4B-8045-C9195F453964}" type="datetimeFigureOut">
               <a:rPr lang="en-US" smtClean="0"/>
-              <a:t>2/6/2024</a:t>
+              <a:t>2/7/2024</a:t>
             </a:fld>
             <a:endParaRPr lang="en-US" dirty="0"/>
           </a:p>
@@ -40827,7 +42069,7 @@
           <a:p>
             <a:fld id="{40DA1498-92C7-4E4B-8045-C9195F453964}" type="datetimeFigureOut">
               <a:rPr lang="en-US" smtClean="0"/>
-              <a:t>2/6/2024</a:t>
+              <a:t>2/7/2024</a:t>
             </a:fld>
             <a:endParaRPr lang="en-US" dirty="0"/>
           </a:p>
@@ -41092,7 +42334,7 @@
           <a:p>
             <a:fld id="{40DA1498-92C7-4E4B-8045-C9195F453964}" type="datetimeFigureOut">
               <a:rPr lang="en-US" smtClean="0"/>
-              <a:t>2/6/2024</a:t>
+              <a:t>2/7/2024</a:t>
             </a:fld>
             <a:endParaRPr lang="en-US" dirty="0"/>
           </a:p>
@@ -41504,7 +42746,7 @@
           <a:p>
             <a:fld id="{40DA1498-92C7-4E4B-8045-C9195F453964}" type="datetimeFigureOut">
               <a:rPr lang="en-US" smtClean="0"/>
-              <a:t>2/6/2024</a:t>
+              <a:t>2/7/2024</a:t>
             </a:fld>
             <a:endParaRPr lang="en-US" dirty="0"/>
           </a:p>
@@ -41645,7 +42887,7 @@
           <a:p>
             <a:fld id="{40DA1498-92C7-4E4B-8045-C9195F453964}" type="datetimeFigureOut">
               <a:rPr lang="en-US" smtClean="0"/>
-              <a:t>2/6/2024</a:t>
+              <a:t>2/7/2024</a:t>
             </a:fld>
             <a:endParaRPr lang="en-US" dirty="0"/>
           </a:p>
@@ -41758,7 +43000,7 @@
           <a:p>
             <a:fld id="{40DA1498-92C7-4E4B-8045-C9195F453964}" type="datetimeFigureOut">
               <a:rPr lang="en-US" smtClean="0"/>
-              <a:t>2/6/2024</a:t>
+              <a:t>2/7/2024</a:t>
             </a:fld>
             <a:endParaRPr lang="en-US" dirty="0"/>
           </a:p>
@@ -42069,7 +43311,7 @@
           <a:p>
             <a:fld id="{40DA1498-92C7-4E4B-8045-C9195F453964}" type="datetimeFigureOut">
               <a:rPr lang="en-US" smtClean="0"/>
-              <a:t>2/6/2024</a:t>
+              <a:t>2/7/2024</a:t>
             </a:fld>
             <a:endParaRPr lang="en-US" dirty="0"/>
           </a:p>
@@ -42361,7 +43603,7 @@
           <a:p>
             <a:fld id="{40DA1498-92C7-4E4B-8045-C9195F453964}" type="datetimeFigureOut">
               <a:rPr lang="en-US" smtClean="0"/>
-              <a:t>2/6/2024</a:t>
+              <a:t>2/7/2024</a:t>
             </a:fld>
             <a:endParaRPr lang="en-US" dirty="0"/>
           </a:p>
@@ -42602,7 +43844,7 @@
           <a:p>
             <a:fld id="{40DA1498-92C7-4E4B-8045-C9195F453964}" type="datetimeFigureOut">
               <a:rPr lang="en-US" smtClean="0"/>
-              <a:t>2/6/2024</a:t>
+              <a:t>2/7/2024</a:t>
             </a:fld>
             <a:endParaRPr lang="en-US" dirty="0"/>
           </a:p>
@@ -43788,7 +45030,7 @@
           <p:nvPr>
             <p:extLst>
               <p:ext uri="{D42A27DB-BD31-4B8C-83A1-F6EECF244321}">
-                <p14:modId xmlns:p14="http://schemas.microsoft.com/office/powerpoint/2010/main" val="2757732819"/>
+                <p14:modId xmlns:p14="http://schemas.microsoft.com/office/powerpoint/2010/main" val="3102673731"/>
               </p:ext>
             </p:extLst>
           </p:nvPr>
@@ -44509,7 +45751,7 @@
           <p:nvPr>
             <p:extLst>
               <p:ext uri="{D42A27DB-BD31-4B8C-83A1-F6EECF244321}">
-                <p14:modId xmlns:p14="http://schemas.microsoft.com/office/powerpoint/2010/main" val="1158431851"/>
+                <p14:modId xmlns:p14="http://schemas.microsoft.com/office/powerpoint/2010/main" val="320503939"/>
               </p:ext>
             </p:extLst>
           </p:nvPr>
@@ -45052,7 +46294,7 @@
           <p:nvPr>
             <p:extLst>
               <p:ext uri="{D42A27DB-BD31-4B8C-83A1-F6EECF244321}">
-                <p14:modId xmlns:p14="http://schemas.microsoft.com/office/powerpoint/2010/main" val="3518076524"/>
+                <p14:modId xmlns:p14="http://schemas.microsoft.com/office/powerpoint/2010/main" val="2040305309"/>
               </p:ext>
             </p:extLst>
           </p:nvPr>
@@ -45640,7 +46882,7 @@
           <p:nvPr>
             <p:extLst>
               <p:ext uri="{D42A27DB-BD31-4B8C-83A1-F6EECF244321}">
-                <p14:modId xmlns:p14="http://schemas.microsoft.com/office/powerpoint/2010/main" val="2286692297"/>
+                <p14:modId xmlns:p14="http://schemas.microsoft.com/office/powerpoint/2010/main" val="2829967015"/>
               </p:ext>
             </p:extLst>
           </p:nvPr>
@@ -46228,7 +47470,7 @@
           <p:nvPr>
             <p:extLst>
               <p:ext uri="{D42A27DB-BD31-4B8C-83A1-F6EECF244321}">
-                <p14:modId xmlns:p14="http://schemas.microsoft.com/office/powerpoint/2010/main" val="1314863000"/>
+                <p14:modId xmlns:p14="http://schemas.microsoft.com/office/powerpoint/2010/main" val="3963436127"/>
               </p:ext>
             </p:extLst>
           </p:nvPr>
@@ -54278,7 +55520,7 @@
           <p:nvPr>
             <p:extLst>
               <p:ext uri="{D42A27DB-BD31-4B8C-83A1-F6EECF244321}">
-                <p14:modId xmlns:p14="http://schemas.microsoft.com/office/powerpoint/2010/main" val="35011768"/>
+                <p14:modId xmlns:p14="http://schemas.microsoft.com/office/powerpoint/2010/main" val="3352849245"/>
               </p:ext>
             </p:extLst>
           </p:nvPr>
@@ -54871,14 +56113,14 @@
           <p:nvPr>
             <p:extLst>
               <p:ext uri="{D42A27DB-BD31-4B8C-83A1-F6EECF244321}">
-                <p14:modId xmlns:p14="http://schemas.microsoft.com/office/powerpoint/2010/main" val="371413762"/>
+                <p14:modId xmlns:p14="http://schemas.microsoft.com/office/powerpoint/2010/main" val="858354362"/>
               </p:ext>
             </p:extLst>
           </p:nvPr>
         </p:nvGraphicFramePr>
         <p:xfrm>
-          <a:off x="469900" y="1365291"/>
-          <a:ext cx="11252200" cy="3084512"/>
+          <a:off x="-1" y="978408"/>
+          <a:ext cx="12191999" cy="3538046"/>
         </p:xfrm>
         <a:graphic>
           <a:graphicData uri="http://schemas.openxmlformats.org/drawingml/2006/chart">
@@ -55728,14 +56970,6 @@
 </file>
 
 <file path=customXml/item1.xml><?xml version="1.0" encoding="utf-8"?>
-<p:properties xmlns:p="http://schemas.microsoft.com/office/2006/metadata/properties" xmlns:xsi="http://www.w3.org/2001/XMLSchema-instance" xmlns:pc="http://schemas.microsoft.com/office/infopath/2007/PartnerControls">
-  <documentManagement>
-    <MediaServiceKeyPoints xmlns="71af3243-3dd4-4a8d-8c0d-dd76da1f02a5" xsi:nil="true"/>
-  </documentManagement>
-</p:properties>
-</file>
-
-<file path=customXml/item2.xml><?xml version="1.0" encoding="utf-8"?>
 <ct:contentTypeSchema xmlns:ct="http://schemas.microsoft.com/office/2006/metadata/contentType" xmlns:ma="http://schemas.microsoft.com/office/2006/metadata/properties/metaAttributes" ct:_="" ma:_="" ma:contentTypeName="Document" ma:contentTypeID="0x01010079F111ED35F8CC479449609E8A0923A6" ma:contentTypeVersion="11" ma:contentTypeDescription="Create a new document." ma:contentTypeScope="" ma:versionID="9677210f24a1be23c92c90fd886aa0aa">
   <xsd:schema xmlns:xsd="http://www.w3.org/2001/XMLSchema" xmlns:xs="http://www.w3.org/2001/XMLSchema" xmlns:p="http://schemas.microsoft.com/office/2006/metadata/properties" xmlns:ns2="71af3243-3dd4-4a8d-8c0d-dd76da1f02a5" xmlns:ns3="16c05727-aa75-4e4a-9b5f-8a80a1165891" targetNamespace="http://schemas.microsoft.com/office/2006/metadata/properties" ma:root="true" ma:fieldsID="60e05723c5c1908df1a1a4ebf11d344e" ns2:_="" ns3:_="">
     <xsd:import namespace="71af3243-3dd4-4a8d-8c0d-dd76da1f02a5"/>
@@ -55946,6 +57180,14 @@
 </ct:contentTypeSchema>
 </file>
 
+<file path=customXml/item2.xml><?xml version="1.0" encoding="utf-8"?>
+<p:properties xmlns:p="http://schemas.microsoft.com/office/2006/metadata/properties" xmlns:xsi="http://www.w3.org/2001/XMLSchema-instance" xmlns:pc="http://schemas.microsoft.com/office/infopath/2007/PartnerControls">
+  <documentManagement>
+    <MediaServiceKeyPoints xmlns="71af3243-3dd4-4a8d-8c0d-dd76da1f02a5" xsi:nil="true"/>
+  </documentManagement>
+</p:properties>
+</file>
+
 <file path=customXml/item3.xml><?xml version="1.0" encoding="utf-8"?>
 <?mso-contentType ?>
 <FormTemplates xmlns="http://schemas.microsoft.com/sharepoint/v3/contenttype/forms">
@@ -55956,16 +57198,6 @@
 </file>
 
 <file path=customXml/itemProps1.xml><?xml version="1.0" encoding="utf-8"?>
-<ds:datastoreItem xmlns:ds="http://schemas.openxmlformats.org/officeDocument/2006/customXml" ds:itemID="{EF609EDA-869E-4BE5-AE5D-B898C584B6FF}">
-  <ds:schemaRefs>
-    <ds:schemaRef ds:uri="http://schemas.microsoft.com/office/2006/metadata/properties"/>
-    <ds:schemaRef ds:uri="http://schemas.microsoft.com/office/infopath/2007/PartnerControls"/>
-    <ds:schemaRef ds:uri="71af3243-3dd4-4a8d-8c0d-dd76da1f02a5"/>
-  </ds:schemaRefs>
-</ds:datastoreItem>
-</file>
-
-<file path=customXml/itemProps2.xml><?xml version="1.0" encoding="utf-8"?>
 <ds:datastoreItem xmlns:ds="http://schemas.openxmlformats.org/officeDocument/2006/customXml" ds:itemID="{61A00BBF-EEBB-4E18-B8CB-F926EAAC48F7}">
   <ds:schemaRefs>
     <ds:schemaRef ds:uri="http://schemas.microsoft.com/office/2006/metadata/contentType"/>
@@ -55984,6 +57216,16 @@
 </ds:datastoreItem>
 </file>
 
+<file path=customXml/itemProps2.xml><?xml version="1.0" encoding="utf-8"?>
+<ds:datastoreItem xmlns:ds="http://schemas.openxmlformats.org/officeDocument/2006/customXml" ds:itemID="{EF609EDA-869E-4BE5-AE5D-B898C584B6FF}">
+  <ds:schemaRefs>
+    <ds:schemaRef ds:uri="http://schemas.microsoft.com/office/2006/metadata/properties"/>
+    <ds:schemaRef ds:uri="http://schemas.microsoft.com/office/infopath/2007/PartnerControls"/>
+    <ds:schemaRef ds:uri="71af3243-3dd4-4a8d-8c0d-dd76da1f02a5"/>
+  </ds:schemaRefs>
+</ds:datastoreItem>
+</file>
+
 <file path=customXml/itemProps3.xml><?xml version="1.0" encoding="utf-8"?>
 <ds:datastoreItem xmlns:ds="http://schemas.openxmlformats.org/officeDocument/2006/customXml" ds:itemID="{2FD05317-60D6-4B3A-8545-888496D1A8EC}">
   <ds:schemaRefs>
